--- a/Assignments/Screen Previews.pptx
+++ b/Assignments/Screen Previews.pptx
@@ -291,7 +291,7 @@
           <a:p>
             <a:fld id="{3DB14514-4951-4AF5-9D7C-DCF105FD110F}" type="datetimeFigureOut">
               <a:rPr lang="en-US" smtClean="0"/>
-              <a:t>4/9/2015</a:t>
+              <a:t>4/14/2015</a:t>
             </a:fld>
             <a:endParaRPr lang="en-US"/>
           </a:p>
@@ -461,7 +461,7 @@
           <a:p>
             <a:fld id="{3DB14514-4951-4AF5-9D7C-DCF105FD110F}" type="datetimeFigureOut">
               <a:rPr lang="en-US" smtClean="0"/>
-              <a:t>4/9/2015</a:t>
+              <a:t>4/14/2015</a:t>
             </a:fld>
             <a:endParaRPr lang="en-US"/>
           </a:p>
@@ -641,7 +641,7 @@
           <a:p>
             <a:fld id="{3DB14514-4951-4AF5-9D7C-DCF105FD110F}" type="datetimeFigureOut">
               <a:rPr lang="en-US" smtClean="0"/>
-              <a:t>4/9/2015</a:t>
+              <a:t>4/14/2015</a:t>
             </a:fld>
             <a:endParaRPr lang="en-US"/>
           </a:p>
@@ -811,7 +811,7 @@
           <a:p>
             <a:fld id="{3DB14514-4951-4AF5-9D7C-DCF105FD110F}" type="datetimeFigureOut">
               <a:rPr lang="en-US" smtClean="0"/>
-              <a:t>4/9/2015</a:t>
+              <a:t>4/14/2015</a:t>
             </a:fld>
             <a:endParaRPr lang="en-US"/>
           </a:p>
@@ -1057,7 +1057,7 @@
           <a:p>
             <a:fld id="{3DB14514-4951-4AF5-9D7C-DCF105FD110F}" type="datetimeFigureOut">
               <a:rPr lang="en-US" smtClean="0"/>
-              <a:t>4/9/2015</a:t>
+              <a:t>4/14/2015</a:t>
             </a:fld>
             <a:endParaRPr lang="en-US"/>
           </a:p>
@@ -1345,7 +1345,7 @@
           <a:p>
             <a:fld id="{3DB14514-4951-4AF5-9D7C-DCF105FD110F}" type="datetimeFigureOut">
               <a:rPr lang="en-US" smtClean="0"/>
-              <a:t>4/9/2015</a:t>
+              <a:t>4/14/2015</a:t>
             </a:fld>
             <a:endParaRPr lang="en-US"/>
           </a:p>
@@ -1772,7 +1772,7 @@
           <a:p>
             <a:fld id="{3DB14514-4951-4AF5-9D7C-DCF105FD110F}" type="datetimeFigureOut">
               <a:rPr lang="en-US" smtClean="0"/>
-              <a:t>4/9/2015</a:t>
+              <a:t>4/14/2015</a:t>
             </a:fld>
             <a:endParaRPr lang="en-US"/>
           </a:p>
@@ -1890,7 +1890,7 @@
           <a:p>
             <a:fld id="{3DB14514-4951-4AF5-9D7C-DCF105FD110F}" type="datetimeFigureOut">
               <a:rPr lang="en-US" smtClean="0"/>
-              <a:t>4/9/2015</a:t>
+              <a:t>4/14/2015</a:t>
             </a:fld>
             <a:endParaRPr lang="en-US"/>
           </a:p>
@@ -1985,7 +1985,7 @@
           <a:p>
             <a:fld id="{3DB14514-4951-4AF5-9D7C-DCF105FD110F}" type="datetimeFigureOut">
               <a:rPr lang="en-US" smtClean="0"/>
-              <a:t>4/9/2015</a:t>
+              <a:t>4/14/2015</a:t>
             </a:fld>
             <a:endParaRPr lang="en-US"/>
           </a:p>
@@ -2262,7 +2262,7 @@
           <a:p>
             <a:fld id="{3DB14514-4951-4AF5-9D7C-DCF105FD110F}" type="datetimeFigureOut">
               <a:rPr lang="en-US" smtClean="0"/>
-              <a:t>4/9/2015</a:t>
+              <a:t>4/14/2015</a:t>
             </a:fld>
             <a:endParaRPr lang="en-US"/>
           </a:p>
@@ -2515,7 +2515,7 @@
           <a:p>
             <a:fld id="{3DB14514-4951-4AF5-9D7C-DCF105FD110F}" type="datetimeFigureOut">
               <a:rPr lang="en-US" smtClean="0"/>
-              <a:t>4/9/2015</a:t>
+              <a:t>4/14/2015</a:t>
             </a:fld>
             <a:endParaRPr lang="en-US"/>
           </a:p>
@@ -2728,7 +2728,7 @@
           <a:p>
             <a:fld id="{3DB14514-4951-4AF5-9D7C-DCF105FD110F}" type="datetimeFigureOut">
               <a:rPr lang="en-US" smtClean="0"/>
-              <a:t>4/9/2015</a:t>
+              <a:t>4/14/2015</a:t>
             </a:fld>
             <a:endParaRPr lang="en-US"/>
           </a:p>
@@ -3105,7 +3105,7 @@
       </p:grpSpPr>
       <p:pic>
         <p:nvPicPr>
-          <p:cNvPr id="1026" name="Picture 2"/>
+          <p:cNvPr id="3" name="Picture 2"/>
           <p:cNvPicPr>
             <a:picLocks noChangeAspect="1" noChangeArrowheads="1"/>
           </p:cNvPicPr>
@@ -3126,6 +3126,60 @@
         </p:blipFill>
         <p:spPr bwMode="auto">
           <a:xfrm>
+            <a:off x="-76200" y="-199494"/>
+            <a:ext cx="4191000" cy="2790294"/>
+          </a:xfrm>
+          <a:prstGeom prst="rect">
+            <a:avLst/>
+          </a:prstGeom>
+          <a:noFill/>
+          <a:ln>
+            <a:noFill/>
+          </a:ln>
+          <a:extLst>
+            <a:ext uri="{909E8E84-426E-40DD-AFC4-6F175D3DCCD1}">
+              <a14:hiddenFill xmlns:a14="http://schemas.microsoft.com/office/drawing/2010/main">
+                <a:solidFill>
+                  <a:schemeClr val="accent1"/>
+                </a:solidFill>
+              </a14:hiddenFill>
+            </a:ext>
+            <a:ext uri="{91240B29-F687-4F45-9708-019B960494DF}">
+              <a14:hiddenLine xmlns:a14="http://schemas.microsoft.com/office/drawing/2010/main" w="9525">
+                <a:solidFill>
+                  <a:schemeClr val="tx1"/>
+                </a:solidFill>
+                <a:miter lim="800000"/>
+                <a:headEnd/>
+                <a:tailEnd/>
+              </a14:hiddenLine>
+            </a:ext>
+          </a:extLst>
+        </p:spPr>
+      </p:pic>
+      <p:pic>
+        <p:nvPicPr>
+          <p:cNvPr id="1026" name="Picture 2"/>
+          <p:cNvPicPr>
+            <a:picLocks noChangeAspect="1" noChangeArrowheads="1"/>
+          </p:cNvPicPr>
+          <p:nvPr/>
+        </p:nvPicPr>
+        <p:blipFill>
+          <a:blip r:embed="rId3" cstate="print">
+            <a:extLst>
+              <a:ext uri="{28A0092B-C50C-407E-A947-70E740481C1C}">
+                <a14:useLocalDpi xmlns:a14="http://schemas.microsoft.com/office/drawing/2010/main" val="0"/>
+              </a:ext>
+            </a:extLst>
+          </a:blip>
+          <a:srcRect/>
+          <a:stretch>
+            <a:fillRect/>
+          </a:stretch>
+        </p:blipFill>
+        <p:spPr bwMode="auto">
+          <a:xfrm>
             <a:off x="876300" y="76200"/>
             <a:ext cx="2362200" cy="2167318"/>
           </a:xfrm>
@@ -3176,7 +3230,7 @@
           <p:nvPr/>
         </p:nvPicPr>
         <p:blipFill>
-          <a:blip r:embed="rId3" cstate="print">
+          <a:blip r:embed="rId4" cstate="print">
             <a:clrChange>
               <a:clrFrom>
                 <a:srgbClr val="FFFFFF"/>
@@ -3240,7 +3294,7 @@
           <p:nvPr/>
         </p:nvPicPr>
         <p:blipFill>
-          <a:blip r:embed="rId4" cstate="print">
+          <a:blip r:embed="rId5" cstate="print">
             <a:clrChange>
               <a:clrFrom>
                 <a:srgbClr val="FFFFFF"/>
@@ -3458,6 +3512,60 @@
       </p:grpSpPr>
       <p:pic>
         <p:nvPicPr>
+          <p:cNvPr id="7" name="Picture 6"/>
+          <p:cNvPicPr>
+            <a:picLocks noChangeAspect="1" noChangeArrowheads="1"/>
+          </p:cNvPicPr>
+          <p:nvPr/>
+        </p:nvPicPr>
+        <p:blipFill>
+          <a:blip r:embed="rId2" cstate="print">
+            <a:extLst>
+              <a:ext uri="{28A0092B-C50C-407E-A947-70E740481C1C}">
+                <a14:useLocalDpi xmlns:a14="http://schemas.microsoft.com/office/drawing/2010/main" val="0"/>
+              </a:ext>
+            </a:extLst>
+          </a:blip>
+          <a:srcRect/>
+          <a:stretch>
+            <a:fillRect/>
+          </a:stretch>
+        </p:blipFill>
+        <p:spPr bwMode="auto">
+          <a:xfrm>
+            <a:off x="-76200" y="-199494"/>
+            <a:ext cx="4191000" cy="2790294"/>
+          </a:xfrm>
+          <a:prstGeom prst="rect">
+            <a:avLst/>
+          </a:prstGeom>
+          <a:noFill/>
+          <a:ln>
+            <a:noFill/>
+          </a:ln>
+          <a:extLst>
+            <a:ext uri="{909E8E84-426E-40DD-AFC4-6F175D3DCCD1}">
+              <a14:hiddenFill xmlns:a14="http://schemas.microsoft.com/office/drawing/2010/main">
+                <a:solidFill>
+                  <a:schemeClr val="accent1"/>
+                </a:solidFill>
+              </a14:hiddenFill>
+            </a:ext>
+            <a:ext uri="{91240B29-F687-4F45-9708-019B960494DF}">
+              <a14:hiddenLine xmlns:a14="http://schemas.microsoft.com/office/drawing/2010/main" w="9525">
+                <a:solidFill>
+                  <a:schemeClr val="tx1"/>
+                </a:solidFill>
+                <a:miter lim="800000"/>
+                <a:headEnd/>
+                <a:tailEnd/>
+              </a14:hiddenLine>
+            </a:ext>
+          </a:extLst>
+        </p:spPr>
+      </p:pic>
+      <p:pic>
+        <p:nvPicPr>
           <p:cNvPr id="3" name="Picture 2"/>
           <p:cNvPicPr>
             <a:picLocks noChangeAspect="1" noChangeArrowheads="1"/>
@@ -3465,7 +3573,7 @@
           <p:nvPr/>
         </p:nvPicPr>
         <p:blipFill>
-          <a:blip r:embed="rId2" cstate="print">
+          <a:blip r:embed="rId3" cstate="print">
             <a:extLst>
               <a:ext uri="{28A0092B-C50C-407E-A947-70E740481C1C}">
                 <a14:useLocalDpi xmlns:a14="http://schemas.microsoft.com/office/drawing/2010/main" val="0"/>
@@ -3905,7 +4013,7 @@
       </p:grpSpPr>
       <p:pic>
         <p:nvPicPr>
-          <p:cNvPr id="2050" name="Picture 2" descr="Z:\CSCI 306\Workbench\Storm the Castle\lib\catapult_fire.png"/>
+          <p:cNvPr id="11" name="Picture 10"/>
           <p:cNvPicPr>
             <a:picLocks noChangeAspect="1" noChangeArrowheads="1"/>
           </p:cNvPicPr>
@@ -3925,28 +4033,41 @@
           </a:stretch>
         </p:blipFill>
         <p:spPr bwMode="auto">
-          <a:xfrm flipH="1">
-            <a:off x="3211859" y="1676400"/>
-            <a:ext cx="992716" cy="744537"/>
+          <a:xfrm>
+            <a:off x="-76200" y="-199494"/>
+            <a:ext cx="4191000" cy="2790294"/>
           </a:xfrm>
           <a:prstGeom prst="rect">
             <a:avLst/>
           </a:prstGeom>
           <a:noFill/>
+          <a:ln>
+            <a:noFill/>
+          </a:ln>
           <a:extLst>
             <a:ext uri="{909E8E84-426E-40DD-AFC4-6F175D3DCCD1}">
               <a14:hiddenFill xmlns:a14="http://schemas.microsoft.com/office/drawing/2010/main">
                 <a:solidFill>
-                  <a:srgbClr val="FFFFFF"/>
+                  <a:schemeClr val="accent1"/>
                 </a:solidFill>
               </a14:hiddenFill>
+            </a:ext>
+            <a:ext uri="{91240B29-F687-4F45-9708-019B960494DF}">
+              <a14:hiddenLine xmlns:a14="http://schemas.microsoft.com/office/drawing/2010/main" w="9525">
+                <a:solidFill>
+                  <a:schemeClr val="tx1"/>
+                </a:solidFill>
+                <a:miter lim="800000"/>
+                <a:headEnd/>
+                <a:tailEnd/>
+              </a14:hiddenLine>
             </a:ext>
           </a:extLst>
         </p:spPr>
       </p:pic>
       <p:pic>
         <p:nvPicPr>
-          <p:cNvPr id="4" name="Picture 3"/>
+          <p:cNvPr id="2050" name="Picture 2" descr="Z:\CSCI 306\Workbench\Storm the Castle\lib\catapult_fire.png"/>
           <p:cNvPicPr>
             <a:picLocks noChangeAspect="1" noChangeArrowheads="1"/>
           </p:cNvPicPr>
@@ -3966,8 +4087,59 @@
           </a:stretch>
         </p:blipFill>
         <p:spPr bwMode="auto">
+          <a:xfrm flipH="1">
+            <a:off x="3211859" y="1676400"/>
+            <a:ext cx="992716" cy="744537"/>
+          </a:xfrm>
+          <a:prstGeom prst="rect">
+            <a:avLst/>
+          </a:prstGeom>
+          <a:noFill/>
+          <a:extLst>
+            <a:ext uri="{909E8E84-426E-40DD-AFC4-6F175D3DCCD1}">
+              <a14:hiddenFill xmlns:a14="http://schemas.microsoft.com/office/drawing/2010/main">
+                <a:solidFill>
+                  <a:srgbClr val="FFFFFF"/>
+                </a:solidFill>
+              </a14:hiddenFill>
+            </a:ext>
+          </a:extLst>
+        </p:spPr>
+      </p:pic>
+      <p:pic>
+        <p:nvPicPr>
+          <p:cNvPr id="4" name="Picture 3"/>
+          <p:cNvPicPr>
+            <a:picLocks noChangeAspect="1" noChangeArrowheads="1"/>
+          </p:cNvPicPr>
+          <p:nvPr/>
+        </p:nvPicPr>
+        <p:blipFill>
+          <a:blip r:embed="rId4" cstate="print">
+            <a:clrChange>
+              <a:clrFrom>
+                <a:srgbClr val="FFFFFF"/>
+              </a:clrFrom>
+              <a:clrTo>
+                <a:srgbClr val="FFFFFF">
+                  <a:alpha val="0"/>
+                </a:srgbClr>
+              </a:clrTo>
+            </a:clrChange>
+            <a:extLst>
+              <a:ext uri="{28A0092B-C50C-407E-A947-70E740481C1C}">
+                <a14:useLocalDpi xmlns:a14="http://schemas.microsoft.com/office/drawing/2010/main" val="0"/>
+              </a:ext>
+            </a:extLst>
+          </a:blip>
+          <a:srcRect/>
+          <a:stretch>
+            <a:fillRect/>
+          </a:stretch>
+        </p:blipFill>
+        <p:spPr bwMode="auto">
           <a:xfrm>
-            <a:off x="0" y="0"/>
+            <a:off x="-76200" y="108682"/>
             <a:ext cx="838200" cy="2286000"/>
           </a:xfrm>
           <a:prstGeom prst="rect">
@@ -4007,7 +4179,7 @@
           <p:nvPr/>
         </p:nvPicPr>
         <p:blipFill>
-          <a:blip r:embed="rId4">
+          <a:blip r:embed="rId5">
             <a:extLst>
               <a:ext uri="{28A0092B-C50C-407E-A947-70E740481C1C}">
                 <a14:useLocalDpi xmlns:a14="http://schemas.microsoft.com/office/drawing/2010/main" val="0"/>
@@ -4071,7 +4243,7 @@
           <p:nvPr/>
         </p:nvPicPr>
         <p:blipFill>
-          <a:blip r:embed="rId5" cstate="print">
+          <a:blip r:embed="rId6" cstate="print">
             <a:clrChange>
               <a:clrFrom>
                 <a:srgbClr val="FFFFFF"/>
@@ -4158,7 +4330,7 @@
           <p:nvPr/>
         </p:nvPicPr>
         <p:blipFill>
-          <a:blip r:embed="rId6" cstate="print">
+          <a:blip r:embed="rId7" cstate="print">
             <a:clrChange>
               <a:clrFrom>
                 <a:srgbClr val="FFFFFF"/>
@@ -4322,7 +4494,7 @@
           <p:nvPr/>
         </p:nvPicPr>
         <p:blipFill rotWithShape="1">
-          <a:blip r:embed="rId7" cstate="print">
+          <a:blip r:embed="rId8" cstate="print">
             <a:extLst>
               <a:ext uri="{28A0092B-C50C-407E-A947-70E740481C1C}">
                 <a14:useLocalDpi xmlns:a14="http://schemas.microsoft.com/office/drawing/2010/main" val="0"/>
@@ -4437,7 +4609,7 @@
       </p:grpSpPr>
       <p:pic>
         <p:nvPicPr>
-          <p:cNvPr id="2050" name="Picture 2" descr="Z:\CSCI 306\Workbench\Storm the Castle\lib\catapult_fire.png"/>
+          <p:cNvPr id="19" name="Picture 18"/>
           <p:cNvPicPr>
             <a:picLocks noChangeAspect="1" noChangeArrowheads="1"/>
           </p:cNvPicPr>
@@ -4457,6 +4629,60 @@
           </a:stretch>
         </p:blipFill>
         <p:spPr bwMode="auto">
+          <a:xfrm>
+            <a:off x="-76200" y="-199494"/>
+            <a:ext cx="4191000" cy="2790294"/>
+          </a:xfrm>
+          <a:prstGeom prst="rect">
+            <a:avLst/>
+          </a:prstGeom>
+          <a:noFill/>
+          <a:ln>
+            <a:noFill/>
+          </a:ln>
+          <a:extLst>
+            <a:ext uri="{909E8E84-426E-40DD-AFC4-6F175D3DCCD1}">
+              <a14:hiddenFill xmlns:a14="http://schemas.microsoft.com/office/drawing/2010/main">
+                <a:solidFill>
+                  <a:schemeClr val="accent1"/>
+                </a:solidFill>
+              </a14:hiddenFill>
+            </a:ext>
+            <a:ext uri="{91240B29-F687-4F45-9708-019B960494DF}">
+              <a14:hiddenLine xmlns:a14="http://schemas.microsoft.com/office/drawing/2010/main" w="9525">
+                <a:solidFill>
+                  <a:schemeClr val="tx1"/>
+                </a:solidFill>
+                <a:miter lim="800000"/>
+                <a:headEnd/>
+                <a:tailEnd/>
+              </a14:hiddenLine>
+            </a:ext>
+          </a:extLst>
+        </p:spPr>
+      </p:pic>
+      <p:pic>
+        <p:nvPicPr>
+          <p:cNvPr id="2050" name="Picture 2" descr="Z:\CSCI 306\Workbench\Storm the Castle\lib\catapult_fire.png"/>
+          <p:cNvPicPr>
+            <a:picLocks noChangeAspect="1" noChangeArrowheads="1"/>
+          </p:cNvPicPr>
+          <p:nvPr/>
+        </p:nvPicPr>
+        <p:blipFill>
+          <a:blip r:embed="rId3" cstate="print">
+            <a:extLst>
+              <a:ext uri="{28A0092B-C50C-407E-A947-70E740481C1C}">
+                <a14:useLocalDpi xmlns:a14="http://schemas.microsoft.com/office/drawing/2010/main" val="0"/>
+              </a:ext>
+            </a:extLst>
+          </a:blip>
+          <a:srcRect/>
+          <a:stretch>
+            <a:fillRect/>
+          </a:stretch>
+        </p:blipFill>
+        <p:spPr bwMode="auto">
           <a:xfrm flipH="1">
             <a:off x="3211859" y="1676400"/>
             <a:ext cx="992716" cy="744537"/>
@@ -4485,7 +4711,7 @@
           <p:nvPr/>
         </p:nvPicPr>
         <p:blipFill>
-          <a:blip r:embed="rId3">
+          <a:blip r:embed="rId4">
             <a:extLst>
               <a:ext uri="{28A0092B-C50C-407E-A947-70E740481C1C}">
                 <a14:useLocalDpi xmlns:a14="http://schemas.microsoft.com/office/drawing/2010/main" val="0"/>
@@ -4549,7 +4775,7 @@
           <p:nvPr/>
         </p:nvPicPr>
         <p:blipFill>
-          <a:blip r:embed="rId4" cstate="print">
+          <a:blip r:embed="rId5" cstate="print">
             <a:clrChange>
               <a:clrFrom>
                 <a:srgbClr val="FFFFFF"/>
@@ -4636,7 +4862,7 @@
           <p:nvPr/>
         </p:nvPicPr>
         <p:blipFill>
-          <a:blip r:embed="rId5" cstate="print">
+          <a:blip r:embed="rId6" cstate="print">
             <a:clrChange>
               <a:clrFrom>
                 <a:srgbClr val="FFFFFF"/>
@@ -4694,7 +4920,7 @@
           <p:nvPr/>
         </p:nvPicPr>
         <p:blipFill rotWithShape="1">
-          <a:blip r:embed="rId6" cstate="print">
+          <a:blip r:embed="rId7" cstate="print">
             <a:extLst>
               <a:ext uri="{28A0092B-C50C-407E-A947-70E740481C1C}">
                 <a14:useLocalDpi xmlns:a14="http://schemas.microsoft.com/office/drawing/2010/main" val="0"/>
@@ -4739,7 +4965,7 @@
             <a:avLst/>
           </a:prstGeom>
           <a:solidFill>
-            <a:schemeClr val="bg1"/>
+            <a:srgbClr val="33CCFF"/>
           </a:solidFill>
           <a:ln>
             <a:noFill/>
@@ -4779,7 +5005,7 @@
           <p:nvPr/>
         </p:nvPicPr>
         <p:blipFill>
-          <a:blip r:embed="rId2" cstate="print">
+          <a:blip r:embed="rId3" cstate="print">
             <a:extLst>
               <a:ext uri="{28A0092B-C50C-407E-A947-70E740481C1C}">
                 <a14:useLocalDpi xmlns:a14="http://schemas.microsoft.com/office/drawing/2010/main" val="0"/>
@@ -4820,7 +5046,7 @@
           <p:nvPr/>
         </p:nvPicPr>
         <p:blipFill>
-          <a:blip r:embed="rId3">
+          <a:blip r:embed="rId4">
             <a:extLst>
               <a:ext uri="{28A0092B-C50C-407E-A947-70E740481C1C}">
                 <a14:useLocalDpi xmlns:a14="http://schemas.microsoft.com/office/drawing/2010/main" val="0"/>
@@ -4884,7 +5110,7 @@
           <p:nvPr/>
         </p:nvPicPr>
         <p:blipFill>
-          <a:blip r:embed="rId4" cstate="print">
+          <a:blip r:embed="rId5" cstate="print">
             <a:clrChange>
               <a:clrFrom>
                 <a:srgbClr val="FFFFFF"/>
@@ -4971,7 +5197,7 @@
           <p:nvPr/>
         </p:nvPicPr>
         <p:blipFill>
-          <a:blip r:embed="rId5" cstate="print">
+          <a:blip r:embed="rId6" cstate="print">
             <a:clrChange>
               <a:clrFrom>
                 <a:srgbClr val="FFFFFF"/>
@@ -5135,7 +5361,7 @@
           <p:nvPr/>
         </p:nvPicPr>
         <p:blipFill rotWithShape="1">
-          <a:blip r:embed="rId6" cstate="print">
+          <a:blip r:embed="rId7" cstate="print">
             <a:extLst>
               <a:ext uri="{28A0092B-C50C-407E-A947-70E740481C1C}">
                 <a14:useLocalDpi xmlns:a14="http://schemas.microsoft.com/office/drawing/2010/main" val="0"/>
@@ -5180,7 +5406,7 @@
             <a:avLst/>
           </a:prstGeom>
           <a:solidFill>
-            <a:schemeClr val="bg1"/>
+            <a:srgbClr val="33CCFF"/>
           </a:solidFill>
           <a:ln>
             <a:noFill/>
@@ -5220,7 +5446,7 @@
           <p:nvPr/>
         </p:nvPicPr>
         <p:blipFill>
-          <a:blip r:embed="rId7" cstate="print">
+          <a:blip r:embed="rId8" cstate="print">
             <a:clrChange>
               <a:clrFrom>
                 <a:srgbClr val="FFFFFF"/>
